--- a/client/src/assets/graphics/icons.pptx
+++ b/client/src/assets/graphics/icons.pptx
@@ -1,12 +1,12 @@
 
 <file path=ppt/presentation.xml><?xml version="1.0" encoding="utf-8"?>
-<p:presentation xmlns:a="http://schemas.openxmlformats.org/drawingml/2006/main" xmlns:r="http://schemas.openxmlformats.org/officeDocument/2006/relationships" xmlns:p="http://schemas.openxmlformats.org/presentationml/2006/main" saveSubsetFonts="1">
+<p:presentation xmlns:a="http://schemas.openxmlformats.org/drawingml/2006/main" xmlns:r="http://schemas.openxmlformats.org/officeDocument/2006/relationships" xmlns:p="http://schemas.openxmlformats.org/presentationml/2006/main">
   <p:sldMasterIdLst>
-    <p:sldMasterId id="2147483660" r:id="rId1"/>
+    <p:sldMasterId id="2147483648" r:id="rId1"/>
   </p:sldMasterIdLst>
   <p:sldIdLst>
-    <p:sldId id="256" r:id="rId2"/>
-    <p:sldId id="257" r:id="rId3"/>
+    <p:sldId id="256" r:id="rId3"/>
+    <p:sldId id="257" r:id="rId4"/>
   </p:sldIdLst>
   <p:sldSz cx="12192000" cy="6858000"/>
   <p:notesSz cx="6858000" cy="9144000"/>
@@ -105,11 +105,6 @@
       </a:defRPr>
     </a:lvl9pPr>
   </p:defaultTextStyle>
-  <p:extLst>
-    <p:ext uri="{EFAFB233-063F-42B5-8137-9DF3F51BA10A}">
-      <p15:sldGuideLst xmlns:p15="http://schemas.microsoft.com/office/powerpoint/2012/main"/>
-    </p:ext>
-  </p:extLst>
 </p:presentation>
 </file>
 
@@ -244,7 +239,6 @@
           <a:p>
             <a:fld id="{EF63AA44-AAF1-4356-813B-5D7804402FAA}" type="datetimeFigureOut">
               <a:rPr lang="en-IN" smtClean="0"/>
-              <a:t>30-06-2019</a:t>
             </a:fld>
             <a:endParaRPr lang="en-IN"/>
           </a:p>
@@ -286,18 +280,12 @@
           <a:p>
             <a:fld id="{AD622744-41B5-4483-B8F2-503434E6EEF8}" type="slidenum">
               <a:rPr lang="en-IN" smtClean="0"/>
-              <a:t>‹#›</a:t>
             </a:fld>
             <a:endParaRPr lang="en-IN"/>
           </a:p>
         </p:txBody>
       </p:sp>
     </p:spTree>
-    <p:extLst>
-      <p:ext uri="{BB962C8B-B14F-4D97-AF65-F5344CB8AC3E}">
-        <p14:creationId xmlns:p14="http://schemas.microsoft.com/office/powerpoint/2010/main" val="2670470589"/>
-      </p:ext>
-    </p:extLst>
   </p:cSld>
   <p:clrMapOvr>
     <a:masterClrMapping/>
@@ -365,6 +353,7 @@
               <a:rPr lang="en-US" smtClean="0"/>
               <a:t>Edit Master text styles</a:t>
             </a:r>
+            <a:endParaRPr lang="en-US" smtClean="0"/>
           </a:p>
           <a:p>
             <a:pPr lvl="1"/>
@@ -372,6 +361,7 @@
               <a:rPr lang="en-US" smtClean="0"/>
               <a:t>Second level</a:t>
             </a:r>
+            <a:endParaRPr lang="en-US" smtClean="0"/>
           </a:p>
           <a:p>
             <a:pPr lvl="2"/>
@@ -379,6 +369,7 @@
               <a:rPr lang="en-US" smtClean="0"/>
               <a:t>Third level</a:t>
             </a:r>
+            <a:endParaRPr lang="en-US" smtClean="0"/>
           </a:p>
           <a:p>
             <a:pPr lvl="3"/>
@@ -386,6 +377,7 @@
               <a:rPr lang="en-US" smtClean="0"/>
               <a:t>Fourth level</a:t>
             </a:r>
+            <a:endParaRPr lang="en-US" smtClean="0"/>
           </a:p>
           <a:p>
             <a:pPr lvl="4"/>
@@ -414,7 +406,6 @@
           <a:p>
             <a:fld id="{EF63AA44-AAF1-4356-813B-5D7804402FAA}" type="datetimeFigureOut">
               <a:rPr lang="en-IN" smtClean="0"/>
-              <a:t>30-06-2019</a:t>
             </a:fld>
             <a:endParaRPr lang="en-IN"/>
           </a:p>
@@ -456,18 +447,12 @@
           <a:p>
             <a:fld id="{AD622744-41B5-4483-B8F2-503434E6EEF8}" type="slidenum">
               <a:rPr lang="en-IN" smtClean="0"/>
-              <a:t>‹#›</a:t>
             </a:fld>
             <a:endParaRPr lang="en-IN"/>
           </a:p>
         </p:txBody>
       </p:sp>
     </p:spTree>
-    <p:extLst>
-      <p:ext uri="{BB962C8B-B14F-4D97-AF65-F5344CB8AC3E}">
-        <p14:creationId xmlns:p14="http://schemas.microsoft.com/office/powerpoint/2010/main" val="3397617786"/>
-      </p:ext>
-    </p:extLst>
   </p:cSld>
   <p:clrMapOvr>
     <a:masterClrMapping/>
@@ -545,6 +530,7 @@
               <a:rPr lang="en-US" smtClean="0"/>
               <a:t>Edit Master text styles</a:t>
             </a:r>
+            <a:endParaRPr lang="en-US" smtClean="0"/>
           </a:p>
           <a:p>
             <a:pPr lvl="1"/>
@@ -552,6 +538,7 @@
               <a:rPr lang="en-US" smtClean="0"/>
               <a:t>Second level</a:t>
             </a:r>
+            <a:endParaRPr lang="en-US" smtClean="0"/>
           </a:p>
           <a:p>
             <a:pPr lvl="2"/>
@@ -559,6 +546,7 @@
               <a:rPr lang="en-US" smtClean="0"/>
               <a:t>Third level</a:t>
             </a:r>
+            <a:endParaRPr lang="en-US" smtClean="0"/>
           </a:p>
           <a:p>
             <a:pPr lvl="3"/>
@@ -566,6 +554,7 @@
               <a:rPr lang="en-US" smtClean="0"/>
               <a:t>Fourth level</a:t>
             </a:r>
+            <a:endParaRPr lang="en-US" smtClean="0"/>
           </a:p>
           <a:p>
             <a:pPr lvl="4"/>
@@ -594,7 +583,6 @@
           <a:p>
             <a:fld id="{EF63AA44-AAF1-4356-813B-5D7804402FAA}" type="datetimeFigureOut">
               <a:rPr lang="en-IN" smtClean="0"/>
-              <a:t>30-06-2019</a:t>
             </a:fld>
             <a:endParaRPr lang="en-IN"/>
           </a:p>
@@ -636,18 +624,12 @@
           <a:p>
             <a:fld id="{AD622744-41B5-4483-B8F2-503434E6EEF8}" type="slidenum">
               <a:rPr lang="en-IN" smtClean="0"/>
-              <a:t>‹#›</a:t>
             </a:fld>
             <a:endParaRPr lang="en-IN"/>
           </a:p>
         </p:txBody>
       </p:sp>
     </p:spTree>
-    <p:extLst>
-      <p:ext uri="{BB962C8B-B14F-4D97-AF65-F5344CB8AC3E}">
-        <p14:creationId xmlns:p14="http://schemas.microsoft.com/office/powerpoint/2010/main" val="4095668900"/>
-      </p:ext>
-    </p:extLst>
   </p:cSld>
   <p:clrMapOvr>
     <a:masterClrMapping/>
@@ -715,6 +697,7 @@
               <a:rPr lang="en-US" smtClean="0"/>
               <a:t>Edit Master text styles</a:t>
             </a:r>
+            <a:endParaRPr lang="en-US" smtClean="0"/>
           </a:p>
           <a:p>
             <a:pPr lvl="1"/>
@@ -722,6 +705,7 @@
               <a:rPr lang="en-US" smtClean="0"/>
               <a:t>Second level</a:t>
             </a:r>
+            <a:endParaRPr lang="en-US" smtClean="0"/>
           </a:p>
           <a:p>
             <a:pPr lvl="2"/>
@@ -729,6 +713,7 @@
               <a:rPr lang="en-US" smtClean="0"/>
               <a:t>Third level</a:t>
             </a:r>
+            <a:endParaRPr lang="en-US" smtClean="0"/>
           </a:p>
           <a:p>
             <a:pPr lvl="3"/>
@@ -736,6 +721,7 @@
               <a:rPr lang="en-US" smtClean="0"/>
               <a:t>Fourth level</a:t>
             </a:r>
+            <a:endParaRPr lang="en-US" smtClean="0"/>
           </a:p>
           <a:p>
             <a:pPr lvl="4"/>
@@ -764,7 +750,6 @@
           <a:p>
             <a:fld id="{EF63AA44-AAF1-4356-813B-5D7804402FAA}" type="datetimeFigureOut">
               <a:rPr lang="en-IN" smtClean="0"/>
-              <a:t>30-06-2019</a:t>
             </a:fld>
             <a:endParaRPr lang="en-IN"/>
           </a:p>
@@ -806,18 +791,12 @@
           <a:p>
             <a:fld id="{AD622744-41B5-4483-B8F2-503434E6EEF8}" type="slidenum">
               <a:rPr lang="en-IN" smtClean="0"/>
-              <a:t>‹#›</a:t>
             </a:fld>
             <a:endParaRPr lang="en-IN"/>
           </a:p>
         </p:txBody>
       </p:sp>
     </p:spTree>
-    <p:extLst>
-      <p:ext uri="{BB962C8B-B14F-4D97-AF65-F5344CB8AC3E}">
-        <p14:creationId xmlns:p14="http://schemas.microsoft.com/office/powerpoint/2010/main" val="4094448969"/>
-      </p:ext>
-    </p:extLst>
   </p:cSld>
   <p:clrMapOvr>
     <a:masterClrMapping/>
@@ -990,6 +969,7 @@
               <a:rPr lang="en-US" smtClean="0"/>
               <a:t>Edit Master text styles</a:t>
             </a:r>
+            <a:endParaRPr lang="en-US" smtClean="0"/>
           </a:p>
         </p:txBody>
       </p:sp>
@@ -1010,7 +990,6 @@
           <a:p>
             <a:fld id="{EF63AA44-AAF1-4356-813B-5D7804402FAA}" type="datetimeFigureOut">
               <a:rPr lang="en-IN" smtClean="0"/>
-              <a:t>30-06-2019</a:t>
             </a:fld>
             <a:endParaRPr lang="en-IN"/>
           </a:p>
@@ -1052,18 +1031,12 @@
           <a:p>
             <a:fld id="{AD622744-41B5-4483-B8F2-503434E6EEF8}" type="slidenum">
               <a:rPr lang="en-IN" smtClean="0"/>
-              <a:t>‹#›</a:t>
             </a:fld>
             <a:endParaRPr lang="en-IN"/>
           </a:p>
         </p:txBody>
       </p:sp>
     </p:spTree>
-    <p:extLst>
-      <p:ext uri="{BB962C8B-B14F-4D97-AF65-F5344CB8AC3E}">
-        <p14:creationId xmlns:p14="http://schemas.microsoft.com/office/powerpoint/2010/main" val="478031235"/>
-      </p:ext>
-    </p:extLst>
   </p:cSld>
   <p:clrMapOvr>
     <a:masterClrMapping/>
@@ -1136,6 +1109,7 @@
               <a:rPr lang="en-US" smtClean="0"/>
               <a:t>Edit Master text styles</a:t>
             </a:r>
+            <a:endParaRPr lang="en-US" smtClean="0"/>
           </a:p>
           <a:p>
             <a:pPr lvl="1"/>
@@ -1143,6 +1117,7 @@
               <a:rPr lang="en-US" smtClean="0"/>
               <a:t>Second level</a:t>
             </a:r>
+            <a:endParaRPr lang="en-US" smtClean="0"/>
           </a:p>
           <a:p>
             <a:pPr lvl="2"/>
@@ -1150,6 +1125,7 @@
               <a:rPr lang="en-US" smtClean="0"/>
               <a:t>Third level</a:t>
             </a:r>
+            <a:endParaRPr lang="en-US" smtClean="0"/>
           </a:p>
           <a:p>
             <a:pPr lvl="3"/>
@@ -1157,6 +1133,7 @@
               <a:rPr lang="en-US" smtClean="0"/>
               <a:t>Fourth level</a:t>
             </a:r>
+            <a:endParaRPr lang="en-US" smtClean="0"/>
           </a:p>
           <a:p>
             <a:pPr lvl="4"/>
@@ -1193,6 +1170,7 @@
               <a:rPr lang="en-US" smtClean="0"/>
               <a:t>Edit Master text styles</a:t>
             </a:r>
+            <a:endParaRPr lang="en-US" smtClean="0"/>
           </a:p>
           <a:p>
             <a:pPr lvl="1"/>
@@ -1200,6 +1178,7 @@
               <a:rPr lang="en-US" smtClean="0"/>
               <a:t>Second level</a:t>
             </a:r>
+            <a:endParaRPr lang="en-US" smtClean="0"/>
           </a:p>
           <a:p>
             <a:pPr lvl="2"/>
@@ -1207,6 +1186,7 @@
               <a:rPr lang="en-US" smtClean="0"/>
               <a:t>Third level</a:t>
             </a:r>
+            <a:endParaRPr lang="en-US" smtClean="0"/>
           </a:p>
           <a:p>
             <a:pPr lvl="3"/>
@@ -1214,6 +1194,7 @@
               <a:rPr lang="en-US" smtClean="0"/>
               <a:t>Fourth level</a:t>
             </a:r>
+            <a:endParaRPr lang="en-US" smtClean="0"/>
           </a:p>
           <a:p>
             <a:pPr lvl="4"/>
@@ -1242,7 +1223,6 @@
           <a:p>
             <a:fld id="{EF63AA44-AAF1-4356-813B-5D7804402FAA}" type="datetimeFigureOut">
               <a:rPr lang="en-IN" smtClean="0"/>
-              <a:t>30-06-2019</a:t>
             </a:fld>
             <a:endParaRPr lang="en-IN"/>
           </a:p>
@@ -1284,18 +1264,12 @@
           <a:p>
             <a:fld id="{AD622744-41B5-4483-B8F2-503434E6EEF8}" type="slidenum">
               <a:rPr lang="en-IN" smtClean="0"/>
-              <a:t>‹#›</a:t>
             </a:fld>
             <a:endParaRPr lang="en-IN"/>
           </a:p>
         </p:txBody>
       </p:sp>
     </p:spTree>
-    <p:extLst>
-      <p:ext uri="{BB962C8B-B14F-4D97-AF65-F5344CB8AC3E}">
-        <p14:creationId xmlns:p14="http://schemas.microsoft.com/office/powerpoint/2010/main" val="4061353469"/>
-      </p:ext>
-    </p:extLst>
   </p:cSld>
   <p:clrMapOvr>
     <a:masterClrMapping/>
@@ -1410,6 +1384,7 @@
               <a:rPr lang="en-US" smtClean="0"/>
               <a:t>Edit Master text styles</a:t>
             </a:r>
+            <a:endParaRPr lang="en-US" smtClean="0"/>
           </a:p>
         </p:txBody>
       </p:sp>
@@ -1438,6 +1413,7 @@
               <a:rPr lang="en-US" smtClean="0"/>
               <a:t>Edit Master text styles</a:t>
             </a:r>
+            <a:endParaRPr lang="en-US" smtClean="0"/>
           </a:p>
           <a:p>
             <a:pPr lvl="1"/>
@@ -1445,6 +1421,7 @@
               <a:rPr lang="en-US" smtClean="0"/>
               <a:t>Second level</a:t>
             </a:r>
+            <a:endParaRPr lang="en-US" smtClean="0"/>
           </a:p>
           <a:p>
             <a:pPr lvl="2"/>
@@ -1452,6 +1429,7 @@
               <a:rPr lang="en-US" smtClean="0"/>
               <a:t>Third level</a:t>
             </a:r>
+            <a:endParaRPr lang="en-US" smtClean="0"/>
           </a:p>
           <a:p>
             <a:pPr lvl="3"/>
@@ -1459,6 +1437,7 @@
               <a:rPr lang="en-US" smtClean="0"/>
               <a:t>Fourth level</a:t>
             </a:r>
+            <a:endParaRPr lang="en-US" smtClean="0"/>
           </a:p>
           <a:p>
             <a:pPr lvl="4"/>
@@ -1532,6 +1511,7 @@
               <a:rPr lang="en-US" smtClean="0"/>
               <a:t>Edit Master text styles</a:t>
             </a:r>
+            <a:endParaRPr lang="en-US" smtClean="0"/>
           </a:p>
         </p:txBody>
       </p:sp>
@@ -1560,6 +1540,7 @@
               <a:rPr lang="en-US" smtClean="0"/>
               <a:t>Edit Master text styles</a:t>
             </a:r>
+            <a:endParaRPr lang="en-US" smtClean="0"/>
           </a:p>
           <a:p>
             <a:pPr lvl="1"/>
@@ -1567,6 +1548,7 @@
               <a:rPr lang="en-US" smtClean="0"/>
               <a:t>Second level</a:t>
             </a:r>
+            <a:endParaRPr lang="en-US" smtClean="0"/>
           </a:p>
           <a:p>
             <a:pPr lvl="2"/>
@@ -1574,6 +1556,7 @@
               <a:rPr lang="en-US" smtClean="0"/>
               <a:t>Third level</a:t>
             </a:r>
+            <a:endParaRPr lang="en-US" smtClean="0"/>
           </a:p>
           <a:p>
             <a:pPr lvl="3"/>
@@ -1581,6 +1564,7 @@
               <a:rPr lang="en-US" smtClean="0"/>
               <a:t>Fourth level</a:t>
             </a:r>
+            <a:endParaRPr lang="en-US" smtClean="0"/>
           </a:p>
           <a:p>
             <a:pPr lvl="4"/>
@@ -1609,7 +1593,6 @@
           <a:p>
             <a:fld id="{EF63AA44-AAF1-4356-813B-5D7804402FAA}" type="datetimeFigureOut">
               <a:rPr lang="en-IN" smtClean="0"/>
-              <a:t>30-06-2019</a:t>
             </a:fld>
             <a:endParaRPr lang="en-IN"/>
           </a:p>
@@ -1651,18 +1634,12 @@
           <a:p>
             <a:fld id="{AD622744-41B5-4483-B8F2-503434E6EEF8}" type="slidenum">
               <a:rPr lang="en-IN" smtClean="0"/>
-              <a:t>‹#›</a:t>
             </a:fld>
             <a:endParaRPr lang="en-IN"/>
           </a:p>
         </p:txBody>
       </p:sp>
     </p:spTree>
-    <p:extLst>
-      <p:ext uri="{BB962C8B-B14F-4D97-AF65-F5344CB8AC3E}">
-        <p14:creationId xmlns:p14="http://schemas.microsoft.com/office/powerpoint/2010/main" val="1420134588"/>
-      </p:ext>
-    </p:extLst>
   </p:cSld>
   <p:clrMapOvr>
     <a:masterClrMapping/>
@@ -1727,7 +1704,6 @@
           <a:p>
             <a:fld id="{EF63AA44-AAF1-4356-813B-5D7804402FAA}" type="datetimeFigureOut">
               <a:rPr lang="en-IN" smtClean="0"/>
-              <a:t>30-06-2019</a:t>
             </a:fld>
             <a:endParaRPr lang="en-IN"/>
           </a:p>
@@ -1769,18 +1745,12 @@
           <a:p>
             <a:fld id="{AD622744-41B5-4483-B8F2-503434E6EEF8}" type="slidenum">
               <a:rPr lang="en-IN" smtClean="0"/>
-              <a:t>‹#›</a:t>
             </a:fld>
             <a:endParaRPr lang="en-IN"/>
           </a:p>
         </p:txBody>
       </p:sp>
     </p:spTree>
-    <p:extLst>
-      <p:ext uri="{BB962C8B-B14F-4D97-AF65-F5344CB8AC3E}">
-        <p14:creationId xmlns:p14="http://schemas.microsoft.com/office/powerpoint/2010/main" val="3321652286"/>
-      </p:ext>
-    </p:extLst>
   </p:cSld>
   <p:clrMapOvr>
     <a:masterClrMapping/>
@@ -1822,7 +1792,6 @@
           <a:p>
             <a:fld id="{EF63AA44-AAF1-4356-813B-5D7804402FAA}" type="datetimeFigureOut">
               <a:rPr lang="en-IN" smtClean="0"/>
-              <a:t>30-06-2019</a:t>
             </a:fld>
             <a:endParaRPr lang="en-IN"/>
           </a:p>
@@ -1864,18 +1833,12 @@
           <a:p>
             <a:fld id="{AD622744-41B5-4483-B8F2-503434E6EEF8}" type="slidenum">
               <a:rPr lang="en-IN" smtClean="0"/>
-              <a:t>‹#›</a:t>
             </a:fld>
             <a:endParaRPr lang="en-IN"/>
           </a:p>
         </p:txBody>
       </p:sp>
     </p:spTree>
-    <p:extLst>
-      <p:ext uri="{BB962C8B-B14F-4D97-AF65-F5344CB8AC3E}">
-        <p14:creationId xmlns:p14="http://schemas.microsoft.com/office/powerpoint/2010/main" val="4193204847"/>
-      </p:ext>
-    </p:extLst>
   </p:cSld>
   <p:clrMapOvr>
     <a:masterClrMapping/>
@@ -1985,6 +1948,7 @@
               <a:rPr lang="en-US" smtClean="0"/>
               <a:t>Edit Master text styles</a:t>
             </a:r>
+            <a:endParaRPr lang="en-US" smtClean="0"/>
           </a:p>
           <a:p>
             <a:pPr lvl="1"/>
@@ -1992,6 +1956,7 @@
               <a:rPr lang="en-US" smtClean="0"/>
               <a:t>Second level</a:t>
             </a:r>
+            <a:endParaRPr lang="en-US" smtClean="0"/>
           </a:p>
           <a:p>
             <a:pPr lvl="2"/>
@@ -1999,6 +1964,7 @@
               <a:rPr lang="en-US" smtClean="0"/>
               <a:t>Third level</a:t>
             </a:r>
+            <a:endParaRPr lang="en-US" smtClean="0"/>
           </a:p>
           <a:p>
             <a:pPr lvl="3"/>
@@ -2006,6 +1972,7 @@
               <a:rPr lang="en-US" smtClean="0"/>
               <a:t>Fourth level</a:t>
             </a:r>
+            <a:endParaRPr lang="en-US" smtClean="0"/>
           </a:p>
           <a:p>
             <a:pPr lvl="4"/>
@@ -2079,6 +2046,7 @@
               <a:rPr lang="en-US" smtClean="0"/>
               <a:t>Edit Master text styles</a:t>
             </a:r>
+            <a:endParaRPr lang="en-US" smtClean="0"/>
           </a:p>
         </p:txBody>
       </p:sp>
@@ -2099,7 +2067,6 @@
           <a:p>
             <a:fld id="{EF63AA44-AAF1-4356-813B-5D7804402FAA}" type="datetimeFigureOut">
               <a:rPr lang="en-IN" smtClean="0"/>
-              <a:t>30-06-2019</a:t>
             </a:fld>
             <a:endParaRPr lang="en-IN"/>
           </a:p>
@@ -2141,18 +2108,12 @@
           <a:p>
             <a:fld id="{AD622744-41B5-4483-B8F2-503434E6EEF8}" type="slidenum">
               <a:rPr lang="en-IN" smtClean="0"/>
-              <a:t>‹#›</a:t>
             </a:fld>
             <a:endParaRPr lang="en-IN"/>
           </a:p>
         </p:txBody>
       </p:sp>
     </p:spTree>
-    <p:extLst>
-      <p:ext uri="{BB962C8B-B14F-4D97-AF65-F5344CB8AC3E}">
-        <p14:creationId xmlns:p14="http://schemas.microsoft.com/office/powerpoint/2010/main" val="688403602"/>
-      </p:ext>
-    </p:extLst>
   </p:cSld>
   <p:clrMapOvr>
     <a:masterClrMapping/>
@@ -2336,6 +2297,7 @@
               <a:rPr lang="en-US" smtClean="0"/>
               <a:t>Edit Master text styles</a:t>
             </a:r>
+            <a:endParaRPr lang="en-US" smtClean="0"/>
           </a:p>
         </p:txBody>
       </p:sp>
@@ -2356,7 +2318,6 @@
           <a:p>
             <a:fld id="{EF63AA44-AAF1-4356-813B-5D7804402FAA}" type="datetimeFigureOut">
               <a:rPr lang="en-IN" smtClean="0"/>
-              <a:t>30-06-2019</a:t>
             </a:fld>
             <a:endParaRPr lang="en-IN"/>
           </a:p>
@@ -2398,18 +2359,12 @@
           <a:p>
             <a:fld id="{AD622744-41B5-4483-B8F2-503434E6EEF8}" type="slidenum">
               <a:rPr lang="en-IN" smtClean="0"/>
-              <a:t>‹#›</a:t>
             </a:fld>
             <a:endParaRPr lang="en-IN"/>
           </a:p>
         </p:txBody>
       </p:sp>
     </p:spTree>
-    <p:extLst>
-      <p:ext uri="{BB962C8B-B14F-4D97-AF65-F5344CB8AC3E}">
-        <p14:creationId xmlns:p14="http://schemas.microsoft.com/office/powerpoint/2010/main" val="3370093387"/>
-      </p:ext>
-    </p:extLst>
   </p:cSld>
   <p:clrMapOvr>
     <a:masterClrMapping/>
@@ -2502,6 +2457,7 @@
               <a:rPr lang="en-US" smtClean="0"/>
               <a:t>Edit Master text styles</a:t>
             </a:r>
+            <a:endParaRPr lang="en-US" smtClean="0"/>
           </a:p>
           <a:p>
             <a:pPr lvl="1"/>
@@ -2509,6 +2465,7 @@
               <a:rPr lang="en-US" smtClean="0"/>
               <a:t>Second level</a:t>
             </a:r>
+            <a:endParaRPr lang="en-US" smtClean="0"/>
           </a:p>
           <a:p>
             <a:pPr lvl="2"/>
@@ -2516,6 +2473,7 @@
               <a:rPr lang="en-US" smtClean="0"/>
               <a:t>Third level</a:t>
             </a:r>
+            <a:endParaRPr lang="en-US" smtClean="0"/>
           </a:p>
           <a:p>
             <a:pPr lvl="3"/>
@@ -2523,6 +2481,7 @@
               <a:rPr lang="en-US" smtClean="0"/>
               <a:t>Fourth level</a:t>
             </a:r>
+            <a:endParaRPr lang="en-US" smtClean="0"/>
           </a:p>
           <a:p>
             <a:pPr lvl="4"/>
@@ -2569,7 +2528,6 @@
           <a:p>
             <a:fld id="{EF63AA44-AAF1-4356-813B-5D7804402FAA}" type="datetimeFigureOut">
               <a:rPr lang="en-IN" smtClean="0"/>
-              <a:t>30-06-2019</a:t>
             </a:fld>
             <a:endParaRPr lang="en-IN"/>
           </a:p>
@@ -2647,32 +2605,26 @@
           <a:p>
             <a:fld id="{AD622744-41B5-4483-B8F2-503434E6EEF8}" type="slidenum">
               <a:rPr lang="en-IN" smtClean="0"/>
-              <a:t>‹#›</a:t>
             </a:fld>
             <a:endParaRPr lang="en-IN"/>
           </a:p>
         </p:txBody>
       </p:sp>
     </p:spTree>
-    <p:extLst>
-      <p:ext uri="{BB962C8B-B14F-4D97-AF65-F5344CB8AC3E}">
-        <p14:creationId xmlns:p14="http://schemas.microsoft.com/office/powerpoint/2010/main" val="1709174624"/>
-      </p:ext>
-    </p:extLst>
   </p:cSld>
   <p:clrMap bg1="dk1" tx1="lt1" bg2="dk2" tx2="lt2" accent1="accent1" accent2="accent2" accent3="accent3" accent4="accent4" accent5="accent5" accent6="accent6" hlink="hlink" folHlink="folHlink"/>
   <p:sldLayoutIdLst>
-    <p:sldLayoutId id="2147483661" r:id="rId1"/>
-    <p:sldLayoutId id="2147483662" r:id="rId2"/>
-    <p:sldLayoutId id="2147483663" r:id="rId3"/>
-    <p:sldLayoutId id="2147483664" r:id="rId4"/>
-    <p:sldLayoutId id="2147483665" r:id="rId5"/>
-    <p:sldLayoutId id="2147483666" r:id="rId6"/>
-    <p:sldLayoutId id="2147483667" r:id="rId7"/>
-    <p:sldLayoutId id="2147483668" r:id="rId8"/>
-    <p:sldLayoutId id="2147483669" r:id="rId9"/>
-    <p:sldLayoutId id="2147483670" r:id="rId10"/>
-    <p:sldLayoutId id="2147483671" r:id="rId11"/>
+    <p:sldLayoutId id="2147483649" r:id="rId1"/>
+    <p:sldLayoutId id="2147483650" r:id="rId2"/>
+    <p:sldLayoutId id="2147483651" r:id="rId3"/>
+    <p:sldLayoutId id="2147483652" r:id="rId4"/>
+    <p:sldLayoutId id="2147483653" r:id="rId5"/>
+    <p:sldLayoutId id="2147483654" r:id="rId6"/>
+    <p:sldLayoutId id="2147483655" r:id="rId7"/>
+    <p:sldLayoutId id="2147483656" r:id="rId8"/>
+    <p:sldLayoutId id="2147483657" r:id="rId9"/>
+    <p:sldLayoutId id="2147483658" r:id="rId10"/>
+    <p:sldLayoutId id="2147483659" r:id="rId11"/>
   </p:sldLayoutIdLst>
   <p:txStyles>
     <p:titleStyle>
@@ -2974,12 +2926,256 @@
           <a:chExt cx="0" cy="0"/>
         </a:xfrm>
       </p:grpSpPr>
+      <p:pic>
+        <p:nvPicPr>
+          <p:cNvPr id="5" name="Picture 4" descr="awss3b"/>
+          <p:cNvPicPr>
+            <a:picLocks noChangeAspect="1"/>
+          </p:cNvPicPr>
+          <p:nvPr/>
+        </p:nvPicPr>
+        <p:blipFill>
+          <a:blip r:embed="rId1"/>
+          <a:srcRect l="12897" r="56483"/>
+          <a:stretch>
+            <a:fillRect/>
+          </a:stretch>
+        </p:blipFill>
+        <p:spPr>
+          <a:xfrm>
+            <a:off x="7763510" y="1046480"/>
+            <a:ext cx="1691640" cy="1905000"/>
+          </a:xfrm>
+          <a:prstGeom prst="rect">
+            <a:avLst/>
+          </a:prstGeom>
+        </p:spPr>
+      </p:pic>
+      <p:sp>
+        <p:nvSpPr>
+          <p:cNvPr id="6" name="Text Box 5"/>
+          <p:cNvSpPr txBox="1"/>
+          <p:nvPr/>
+        </p:nvSpPr>
+        <p:spPr>
+          <a:xfrm>
+            <a:off x="7044055" y="2951480"/>
+            <a:ext cx="3130550" cy="1076325"/>
+          </a:xfrm>
+          <a:prstGeom prst="rect">
+            <a:avLst/>
+          </a:prstGeom>
+          <a:noFill/>
+        </p:spPr>
+        <p:txBody>
+          <a:bodyPr wrap="square" rtlCol="0">
+            <a:spAutoFit/>
+          </a:bodyPr>
+          <a:p>
+            <a:pPr algn="ctr"/>
+            <a:r>
+              <a:rPr lang="" altLang="en-US" sz="3200" b="1">
+                <a:solidFill>
+                  <a:schemeClr val="tx1"/>
+                </a:solidFill>
+                <a:latin typeface="Ubuntu" panose="020B0504030602030204" charset="0"/>
+                <a:cs typeface="Ubuntu" panose="020B0504030602030204" charset="0"/>
+              </a:rPr>
+              <a:t>AMAZON</a:t>
+            </a:r>
+            <a:endParaRPr lang="" altLang="en-US" sz="3200" b="1">
+              <a:solidFill>
+                <a:schemeClr val="tx1"/>
+              </a:solidFill>
+              <a:latin typeface="Ubuntu" panose="020B0504030602030204" charset="0"/>
+              <a:cs typeface="Ubuntu" panose="020B0504030602030204" charset="0"/>
+            </a:endParaRPr>
+          </a:p>
+          <a:p>
+            <a:pPr algn="ctr"/>
+            <a:r>
+              <a:rPr lang="" altLang="en-US" sz="3200" b="1">
+                <a:solidFill>
+                  <a:schemeClr val="tx1"/>
+                </a:solidFill>
+                <a:latin typeface="Ubuntu" panose="020B0504030602030204" charset="0"/>
+                <a:cs typeface="Ubuntu" panose="020B0504030602030204" charset="0"/>
+              </a:rPr>
+              <a:t>S3B</a:t>
+            </a:r>
+            <a:endParaRPr lang="" altLang="en-US" sz="3200" b="1">
+              <a:solidFill>
+                <a:schemeClr val="tx1"/>
+              </a:solidFill>
+              <a:latin typeface="Ubuntu" panose="020B0504030602030204" charset="0"/>
+              <a:cs typeface="Ubuntu" panose="020B0504030602030204" charset="0"/>
+            </a:endParaRPr>
+          </a:p>
+        </p:txBody>
+      </p:sp>
+      <p:pic>
+        <p:nvPicPr>
+          <p:cNvPr id="8" name="Picture 7" descr="awsec2"/>
+          <p:cNvPicPr>
+            <a:picLocks noChangeAspect="1"/>
+          </p:cNvPicPr>
+          <p:nvPr/>
+        </p:nvPicPr>
+        <p:blipFill>
+          <a:blip r:embed="rId2"/>
+          <a:srcRect l="30815" t="5304" r="30852" b="36058"/>
+          <a:stretch>
+            <a:fillRect/>
+          </a:stretch>
+        </p:blipFill>
+        <p:spPr>
+          <a:xfrm>
+            <a:off x="7871460" y="4486275"/>
+            <a:ext cx="1734820" cy="1695450"/>
+          </a:xfrm>
+          <a:prstGeom prst="rect">
+            <a:avLst/>
+          </a:prstGeom>
+        </p:spPr>
+      </p:pic>
+      <p:pic>
+        <p:nvPicPr>
+          <p:cNvPr id="10" name="Picture 9" descr="awss3b"/>
+          <p:cNvPicPr>
+            <a:picLocks noChangeAspect="1"/>
+          </p:cNvPicPr>
+          <p:nvPr/>
+        </p:nvPicPr>
+        <p:blipFill>
+          <a:blip r:embed="rId1"/>
+          <a:srcRect l="12897" r="56483"/>
+          <a:stretch>
+            <a:fillRect/>
+          </a:stretch>
+        </p:blipFill>
+        <p:spPr>
+          <a:xfrm>
+            <a:off x="7763510" y="1046480"/>
+            <a:ext cx="1691640" cy="1905000"/>
+          </a:xfrm>
+          <a:prstGeom prst="rect">
+            <a:avLst/>
+          </a:prstGeom>
+        </p:spPr>
+      </p:pic>
+      <p:sp>
+        <p:nvSpPr>
+          <p:cNvPr id="11" name="Text Box 10"/>
+          <p:cNvSpPr txBox="1"/>
+          <p:nvPr/>
+        </p:nvSpPr>
+        <p:spPr>
+          <a:xfrm>
+            <a:off x="7044055" y="2951480"/>
+            <a:ext cx="3130550" cy="1076325"/>
+          </a:xfrm>
+          <a:prstGeom prst="rect">
+            <a:avLst/>
+          </a:prstGeom>
+          <a:noFill/>
+        </p:spPr>
+        <p:txBody>
+          <a:bodyPr wrap="square" rtlCol="0">
+            <a:spAutoFit/>
+          </a:bodyPr>
+          <a:p>
+            <a:pPr algn="ctr"/>
+            <a:r>
+              <a:rPr lang="en-US" altLang="en-US" sz="3200" b="1">
+                <a:solidFill>
+                  <a:schemeClr val="tx1"/>
+                </a:solidFill>
+                <a:latin typeface="Ubuntu" panose="020B0504030602030204" charset="0"/>
+                <a:cs typeface="Ubuntu" panose="020B0504030602030204" charset="0"/>
+              </a:rPr>
+              <a:t>AMAZON</a:t>
+            </a:r>
+            <a:endParaRPr lang="en-US" altLang="en-US" sz="3200" b="1">
+              <a:solidFill>
+                <a:schemeClr val="tx1"/>
+              </a:solidFill>
+              <a:latin typeface="Ubuntu" panose="020B0504030602030204" charset="0"/>
+              <a:cs typeface="Ubuntu" panose="020B0504030602030204" charset="0"/>
+            </a:endParaRPr>
+          </a:p>
+          <a:p>
+            <a:pPr algn="ctr"/>
+            <a:r>
+              <a:rPr lang="en-US" altLang="en-US" sz="3200" b="1">
+                <a:solidFill>
+                  <a:schemeClr val="tx1"/>
+                </a:solidFill>
+                <a:latin typeface="Ubuntu" panose="020B0504030602030204" charset="0"/>
+                <a:cs typeface="Ubuntu" panose="020B0504030602030204" charset="0"/>
+              </a:rPr>
+              <a:t>S3B</a:t>
+            </a:r>
+            <a:endParaRPr lang="en-US" altLang="en-US" sz="3200" b="1">
+              <a:solidFill>
+                <a:schemeClr val="tx1"/>
+              </a:solidFill>
+              <a:latin typeface="Ubuntu" panose="020B0504030602030204" charset="0"/>
+              <a:cs typeface="Ubuntu" panose="020B0504030602030204" charset="0"/>
+            </a:endParaRPr>
+          </a:p>
+        </p:txBody>
+      </p:sp>
+      <p:pic>
+        <p:nvPicPr>
+          <p:cNvPr id="12" name="Picture 11" descr="mongodb"/>
+          <p:cNvPicPr>
+            <a:picLocks noChangeAspect="1"/>
+          </p:cNvPicPr>
+          <p:nvPr/>
+        </p:nvPicPr>
+        <p:blipFill>
+          <a:blip r:embed="rId3"/>
+          <a:srcRect r="85153"/>
+          <a:stretch>
+            <a:fillRect/>
+          </a:stretch>
+        </p:blipFill>
+        <p:spPr>
+          <a:xfrm>
+            <a:off x="3747770" y="806450"/>
+            <a:ext cx="2125345" cy="3907155"/>
+          </a:xfrm>
+          <a:prstGeom prst="rect">
+            <a:avLst/>
+          </a:prstGeom>
+        </p:spPr>
+      </p:pic>
+      <p:pic>
+        <p:nvPicPr>
+          <p:cNvPr id="13" name="Picture 12" descr="mongodb"/>
+          <p:cNvPicPr>
+            <a:picLocks noChangeAspect="1"/>
+          </p:cNvPicPr>
+          <p:nvPr/>
+        </p:nvPicPr>
+        <p:blipFill>
+          <a:blip r:embed="rId3"/>
+          <a:srcRect l="13341" t="2155"/>
+          <a:stretch>
+            <a:fillRect/>
+          </a:stretch>
+        </p:blipFill>
+        <p:spPr>
+          <a:xfrm>
+            <a:off x="2286635" y="3917315"/>
+            <a:ext cx="4677410" cy="1441450"/>
+          </a:xfrm>
+          <a:prstGeom prst="rect">
+            <a:avLst/>
+          </a:prstGeom>
+        </p:spPr>
+      </p:pic>
     </p:spTree>
-    <p:extLst>
-      <p:ext uri="{BB962C8B-B14F-4D97-AF65-F5344CB8AC3E}">
-        <p14:creationId xmlns:p14="http://schemas.microsoft.com/office/powerpoint/2010/main" val="4043212963"/>
-      </p:ext>
-    </p:extLst>
   </p:cSld>
   <p:clrMapOvr>
     <a:masterClrMapping/>
@@ -3013,7 +3209,7 @@
           <p:nvPr/>
         </p:nvPicPr>
         <p:blipFill rotWithShape="1">
-          <a:blip r:embed="rId2">
+          <a:blip r:embed="rId1">
             <a:extLst>
               <a:ext uri="{28A0092B-C50C-407E-A947-70E740481C1C}">
                 <a14:useLocalDpi xmlns:a14="http://schemas.microsoft.com/office/drawing/2010/main" val="0"/>
@@ -3021,7 +3217,9 @@
             </a:extLst>
           </a:blip>
           <a:srcRect l="8561" t="13176" r="69722" b="56709"/>
-          <a:stretch/>
+          <a:stretch>
+            <a:fillRect/>
+          </a:stretch>
         </p:blipFill>
         <p:spPr>
           <a:xfrm>
@@ -3036,6 +3234,161 @@
       <p:pic>
         <p:nvPicPr>
           <p:cNvPr id="5" name="Picture 4"/>
+          <p:cNvPicPr>
+            <a:picLocks noChangeAspect="1"/>
+          </p:cNvPicPr>
+          <p:nvPr/>
+        </p:nvPicPr>
+        <p:blipFill rotWithShape="1">
+          <a:blip r:embed="rId1">
+            <a:extLst>
+              <a:ext uri="{28A0092B-C50C-407E-A947-70E740481C1C}">
+                <a14:useLocalDpi xmlns:a14="http://schemas.microsoft.com/office/drawing/2010/main" val="0"/>
+              </a:ext>
+            </a:extLst>
+          </a:blip>
+          <a:srcRect l="8933" t="56279" r="70427" b="12938"/>
+          <a:stretch>
+            <a:fillRect/>
+          </a:stretch>
+        </p:blipFill>
+        <p:spPr>
+          <a:xfrm>
+            <a:off x="4744504" y="146650"/>
+            <a:ext cx="2340000" cy="2409810"/>
+          </a:xfrm>
+          <a:prstGeom prst="ellipse">
+            <a:avLst/>
+          </a:prstGeom>
+        </p:spPr>
+      </p:pic>
+      <p:pic>
+        <p:nvPicPr>
+          <p:cNvPr id="6" name="Picture 5"/>
+          <p:cNvPicPr>
+            <a:picLocks noChangeAspect="1"/>
+          </p:cNvPicPr>
+          <p:nvPr/>
+        </p:nvPicPr>
+        <p:blipFill rotWithShape="1">
+          <a:blip r:embed="rId1">
+            <a:extLst>
+              <a:ext uri="{28A0092B-C50C-407E-A947-70E740481C1C}">
+                <a14:useLocalDpi xmlns:a14="http://schemas.microsoft.com/office/drawing/2010/main" val="0"/>
+              </a:ext>
+            </a:extLst>
+          </a:blip>
+          <a:srcRect l="39681" t="12459" r="39834" b="56980"/>
+          <a:stretch>
+            <a:fillRect/>
+          </a:stretch>
+        </p:blipFill>
+        <p:spPr>
+          <a:xfrm>
+            <a:off x="1940917" y="21502"/>
+            <a:ext cx="2340000" cy="2410395"/>
+          </a:xfrm>
+          <a:prstGeom prst="ellipse">
+            <a:avLst/>
+          </a:prstGeom>
+        </p:spPr>
+      </p:pic>
+      <p:pic>
+        <p:nvPicPr>
+          <p:cNvPr id="7" name="Picture 6"/>
+          <p:cNvPicPr>
+            <a:picLocks noChangeAspect="1"/>
+          </p:cNvPicPr>
+          <p:nvPr/>
+        </p:nvPicPr>
+        <p:blipFill rotWithShape="1">
+          <a:blip r:embed="rId1">
+            <a:extLst>
+              <a:ext uri="{28A0092B-C50C-407E-A947-70E740481C1C}">
+                <a14:useLocalDpi xmlns:a14="http://schemas.microsoft.com/office/drawing/2010/main" val="0"/>
+              </a:ext>
+            </a:extLst>
+          </a:blip>
+          <a:srcRect l="39423" t="56724" r="39321" b="12492"/>
+          <a:stretch>
+            <a:fillRect/>
+          </a:stretch>
+        </p:blipFill>
+        <p:spPr>
+          <a:xfrm>
+            <a:off x="6383547" y="146650"/>
+            <a:ext cx="2340000" cy="2340000"/>
+          </a:xfrm>
+          <a:prstGeom prst="ellipse">
+            <a:avLst/>
+          </a:prstGeom>
+        </p:spPr>
+      </p:pic>
+      <p:pic>
+        <p:nvPicPr>
+          <p:cNvPr id="8" name="Picture 7"/>
+          <p:cNvPicPr>
+            <a:picLocks noChangeAspect="1"/>
+          </p:cNvPicPr>
+          <p:nvPr/>
+        </p:nvPicPr>
+        <p:blipFill rotWithShape="1">
+          <a:blip r:embed="rId1">
+            <a:extLst>
+              <a:ext uri="{28A0092B-C50C-407E-A947-70E740481C1C}">
+                <a14:useLocalDpi xmlns:a14="http://schemas.microsoft.com/office/drawing/2010/main" val="0"/>
+              </a:ext>
+            </a:extLst>
+          </a:blip>
+          <a:srcRect l="70279" t="12135" r="9081" b="56636"/>
+          <a:stretch>
+            <a:fillRect/>
+          </a:stretch>
+        </p:blipFill>
+        <p:spPr>
+          <a:xfrm>
+            <a:off x="3338397" y="129397"/>
+            <a:ext cx="2340000" cy="2444780"/>
+          </a:xfrm>
+          <a:prstGeom prst="ellipse">
+            <a:avLst/>
+          </a:prstGeom>
+        </p:spPr>
+      </p:pic>
+      <p:pic>
+        <p:nvPicPr>
+          <p:cNvPr id="9" name="Picture 8"/>
+          <p:cNvPicPr>
+            <a:picLocks noChangeAspect="1"/>
+          </p:cNvPicPr>
+          <p:nvPr/>
+        </p:nvPicPr>
+        <p:blipFill rotWithShape="1">
+          <a:blip r:embed="rId1">
+            <a:extLst>
+              <a:ext uri="{28A0092B-C50C-407E-A947-70E740481C1C}">
+                <a14:useLocalDpi xmlns:a14="http://schemas.microsoft.com/office/drawing/2010/main" val="0"/>
+              </a:ext>
+            </a:extLst>
+          </a:blip>
+          <a:srcRect l="70074" t="57151" r="8978" b="13181"/>
+          <a:stretch>
+            <a:fillRect/>
+          </a:stretch>
+        </p:blipFill>
+        <p:spPr>
+          <a:xfrm>
+            <a:off x="7910422" y="189782"/>
+            <a:ext cx="2340000" cy="2288390"/>
+          </a:xfrm>
+          <a:prstGeom prst="ellipse">
+            <a:avLst/>
+          </a:prstGeom>
+        </p:spPr>
+      </p:pic>
+      <p:pic>
+        <p:nvPicPr>
+          <p:cNvPr id="13" name="Picture 12"/>
           <p:cNvPicPr>
             <a:picLocks noChangeAspect="1"/>
           </p:cNvPicPr>
@@ -3049,13 +3402,15 @@
               </a:ext>
             </a:extLst>
           </a:blip>
-          <a:srcRect l="8933" t="56279" r="70427" b="12938"/>
-          <a:stretch/>
+          <a:srcRect l="25876" t="40008" r="66357" b="48056"/>
+          <a:stretch>
+            <a:fillRect/>
+          </a:stretch>
         </p:blipFill>
         <p:spPr>
           <a:xfrm>
-            <a:off x="4744504" y="146650"/>
-            <a:ext cx="2340000" cy="2409810"/>
+            <a:off x="9463178" y="189782"/>
+            <a:ext cx="2340000" cy="2398760"/>
           </a:xfrm>
           <a:prstGeom prst="ellipse">
             <a:avLst/>
@@ -3064,7 +3419,7 @@
       </p:pic>
       <p:pic>
         <p:nvPicPr>
-          <p:cNvPr id="6" name="Picture 5"/>
+          <p:cNvPr id="14" name="Picture 13"/>
           <p:cNvPicPr>
             <a:picLocks noChangeAspect="1"/>
           </p:cNvPicPr>
@@ -3078,13 +3433,15 @@
               </a:ext>
             </a:extLst>
           </a:blip>
-          <a:srcRect l="39681" t="12459" r="39834" b="56980"/>
-          <a:stretch/>
+          <a:srcRect l="15970" t="40016" r="76181" b="48325"/>
+          <a:stretch>
+            <a:fillRect/>
+          </a:stretch>
         </p:blipFill>
         <p:spPr>
           <a:xfrm>
-            <a:off x="1940917" y="21502"/>
-            <a:ext cx="2340000" cy="2410395"/>
+            <a:off x="9542144" y="4533921"/>
+            <a:ext cx="2403019" cy="2380449"/>
           </a:xfrm>
           <a:prstGeom prst="ellipse">
             <a:avLst/>
@@ -3093,7 +3450,7 @@
       </p:pic>
       <p:pic>
         <p:nvPicPr>
-          <p:cNvPr id="7" name="Picture 6"/>
+          <p:cNvPr id="15" name="Picture 14"/>
           <p:cNvPicPr>
             <a:picLocks noChangeAspect="1"/>
           </p:cNvPicPr>
@@ -3107,13 +3464,15 @@
               </a:ext>
             </a:extLst>
           </a:blip>
-          <a:srcRect l="39423" t="56724" r="39321" b="12492"/>
-          <a:stretch/>
+          <a:srcRect l="66211" t="40203" r="25913" b="48167"/>
+          <a:stretch>
+            <a:fillRect/>
+          </a:stretch>
         </p:blipFill>
         <p:spPr>
           <a:xfrm>
-            <a:off x="6383547" y="146650"/>
-            <a:ext cx="2340000" cy="2340000"/>
+            <a:off x="3541452" y="1475055"/>
+            <a:ext cx="2340000" cy="2304315"/>
           </a:xfrm>
           <a:prstGeom prst="ellipse">
             <a:avLst/>
@@ -3122,7 +3481,7 @@
       </p:pic>
       <p:pic>
         <p:nvPicPr>
-          <p:cNvPr id="8" name="Picture 7"/>
+          <p:cNvPr id="16" name="Picture 15"/>
           <p:cNvPicPr>
             <a:picLocks noChangeAspect="1"/>
           </p:cNvPicPr>
@@ -3136,13 +3495,15 @@
               </a:ext>
             </a:extLst>
           </a:blip>
-          <a:srcRect l="70279" t="12135" r="9081" b="56636"/>
-          <a:stretch/>
+          <a:srcRect l="56032" t="70287" r="35857" b="17791"/>
+          <a:stretch>
+            <a:fillRect/>
+          </a:stretch>
         </p:blipFill>
         <p:spPr>
           <a:xfrm>
-            <a:off x="3338397" y="129397"/>
-            <a:ext cx="2340000" cy="2444780"/>
+            <a:off x="5008050" y="1475118"/>
+            <a:ext cx="2340000" cy="2293850"/>
           </a:xfrm>
           <a:prstGeom prst="ellipse">
             <a:avLst/>
@@ -3151,7 +3512,7 @@
       </p:pic>
       <p:pic>
         <p:nvPicPr>
-          <p:cNvPr id="9" name="Picture 8"/>
+          <p:cNvPr id="17" name="Picture 16"/>
           <p:cNvPicPr>
             <a:picLocks noChangeAspect="1"/>
           </p:cNvPicPr>
@@ -3165,153 +3526,10 @@
               </a:ext>
             </a:extLst>
           </a:blip>
-          <a:srcRect l="70074" t="57151" r="8978" b="13181"/>
-          <a:stretch/>
-        </p:blipFill>
-        <p:spPr>
-          <a:xfrm>
-            <a:off x="7910422" y="189782"/>
-            <a:ext cx="2340000" cy="2288390"/>
-          </a:xfrm>
-          <a:prstGeom prst="ellipse">
-            <a:avLst/>
-          </a:prstGeom>
-        </p:spPr>
-      </p:pic>
-      <p:pic>
-        <p:nvPicPr>
-          <p:cNvPr id="13" name="Picture 12"/>
-          <p:cNvPicPr>
-            <a:picLocks noChangeAspect="1"/>
-          </p:cNvPicPr>
-          <p:nvPr/>
-        </p:nvPicPr>
-        <p:blipFill rotWithShape="1">
-          <a:blip r:embed="rId3">
-            <a:extLst>
-              <a:ext uri="{28A0092B-C50C-407E-A947-70E740481C1C}">
-                <a14:useLocalDpi xmlns:a14="http://schemas.microsoft.com/office/drawing/2010/main" val="0"/>
-              </a:ext>
-            </a:extLst>
-          </a:blip>
-          <a:srcRect l="25876" t="40008" r="66357" b="48056"/>
-          <a:stretch/>
-        </p:blipFill>
-        <p:spPr>
-          <a:xfrm>
-            <a:off x="9463178" y="189782"/>
-            <a:ext cx="2340000" cy="2398760"/>
-          </a:xfrm>
-          <a:prstGeom prst="ellipse">
-            <a:avLst/>
-          </a:prstGeom>
-        </p:spPr>
-      </p:pic>
-      <p:pic>
-        <p:nvPicPr>
-          <p:cNvPr id="14" name="Picture 13"/>
-          <p:cNvPicPr>
-            <a:picLocks noChangeAspect="1"/>
-          </p:cNvPicPr>
-          <p:nvPr/>
-        </p:nvPicPr>
-        <p:blipFill rotWithShape="1">
-          <a:blip r:embed="rId3">
-            <a:extLst>
-              <a:ext uri="{28A0092B-C50C-407E-A947-70E740481C1C}">
-                <a14:useLocalDpi xmlns:a14="http://schemas.microsoft.com/office/drawing/2010/main" val="0"/>
-              </a:ext>
-            </a:extLst>
-          </a:blip>
-          <a:srcRect l="15970" t="40016" r="76181" b="48325"/>
-          <a:stretch/>
-        </p:blipFill>
-        <p:spPr>
-          <a:xfrm>
-            <a:off x="9542144" y="4533921"/>
-            <a:ext cx="2403019" cy="2380449"/>
-          </a:xfrm>
-          <a:prstGeom prst="ellipse">
-            <a:avLst/>
-          </a:prstGeom>
-        </p:spPr>
-      </p:pic>
-      <p:pic>
-        <p:nvPicPr>
-          <p:cNvPr id="15" name="Picture 14"/>
-          <p:cNvPicPr>
-            <a:picLocks noChangeAspect="1"/>
-          </p:cNvPicPr>
-          <p:nvPr/>
-        </p:nvPicPr>
-        <p:blipFill rotWithShape="1">
-          <a:blip r:embed="rId3">
-            <a:extLst>
-              <a:ext uri="{28A0092B-C50C-407E-A947-70E740481C1C}">
-                <a14:useLocalDpi xmlns:a14="http://schemas.microsoft.com/office/drawing/2010/main" val="0"/>
-              </a:ext>
-            </a:extLst>
-          </a:blip>
-          <a:srcRect l="66211" t="40203" r="25913" b="48167"/>
-          <a:stretch/>
-        </p:blipFill>
-        <p:spPr>
-          <a:xfrm>
-            <a:off x="3541452" y="1475055"/>
-            <a:ext cx="2340000" cy="2304315"/>
-          </a:xfrm>
-          <a:prstGeom prst="ellipse">
-            <a:avLst/>
-          </a:prstGeom>
-        </p:spPr>
-      </p:pic>
-      <p:pic>
-        <p:nvPicPr>
-          <p:cNvPr id="16" name="Picture 15"/>
-          <p:cNvPicPr>
-            <a:picLocks noChangeAspect="1"/>
-          </p:cNvPicPr>
-          <p:nvPr/>
-        </p:nvPicPr>
-        <p:blipFill rotWithShape="1">
-          <a:blip r:embed="rId3">
-            <a:extLst>
-              <a:ext uri="{28A0092B-C50C-407E-A947-70E740481C1C}">
-                <a14:useLocalDpi xmlns:a14="http://schemas.microsoft.com/office/drawing/2010/main" val="0"/>
-              </a:ext>
-            </a:extLst>
-          </a:blip>
-          <a:srcRect l="56032" t="70287" r="35857" b="17791"/>
-          <a:stretch/>
-        </p:blipFill>
-        <p:spPr>
-          <a:xfrm>
-            <a:off x="5008050" y="1475118"/>
-            <a:ext cx="2340000" cy="2293850"/>
-          </a:xfrm>
-          <a:prstGeom prst="ellipse">
-            <a:avLst/>
-          </a:prstGeom>
-        </p:spPr>
-      </p:pic>
-      <p:pic>
-        <p:nvPicPr>
-          <p:cNvPr id="17" name="Picture 16"/>
-          <p:cNvPicPr>
-            <a:picLocks noChangeAspect="1"/>
-          </p:cNvPicPr>
-          <p:nvPr/>
-        </p:nvPicPr>
-        <p:blipFill rotWithShape="1">
-          <a:blip r:embed="rId3">
-            <a:extLst>
-              <a:ext uri="{28A0092B-C50C-407E-A947-70E740481C1C}">
-                <a14:useLocalDpi xmlns:a14="http://schemas.microsoft.com/office/drawing/2010/main" val="0"/>
-              </a:ext>
-            </a:extLst>
-          </a:blip>
           <a:srcRect l="46292" t="85419" r="46129" b="3115"/>
-          <a:stretch/>
+          <a:stretch>
+            <a:fillRect/>
+          </a:stretch>
         </p:blipFill>
         <p:spPr>
           <a:xfrm>
@@ -3332,7 +3550,7 @@
           <p:nvPr/>
         </p:nvPicPr>
         <p:blipFill rotWithShape="1">
-          <a:blip r:embed="rId3">
+          <a:blip r:embed="rId2">
             <a:extLst>
               <a:ext uri="{28A0092B-C50C-407E-A947-70E740481C1C}">
                 <a14:useLocalDpi xmlns:a14="http://schemas.microsoft.com/office/drawing/2010/main" val="0"/>
@@ -3340,7 +3558,9 @@
             </a:extLst>
           </a:blip>
           <a:srcRect l="66542" t="85628" r="26299" b="3116"/>
-          <a:stretch/>
+          <a:stretch>
+            <a:fillRect/>
+          </a:stretch>
         </p:blipFill>
         <p:spPr>
           <a:xfrm>
@@ -3361,7 +3581,7 @@
           <p:nvPr/>
         </p:nvPicPr>
         <p:blipFill rotWithShape="1">
-          <a:blip r:embed="rId3">
+          <a:blip r:embed="rId2">
             <a:extLst>
               <a:ext uri="{28A0092B-C50C-407E-A947-70E740481C1C}">
                 <a14:useLocalDpi xmlns:a14="http://schemas.microsoft.com/office/drawing/2010/main" val="0"/>
@@ -3369,7 +3589,9 @@
             </a:extLst>
           </a:blip>
           <a:srcRect l="86456" t="85504" r="5594" b="2888"/>
-          <a:stretch/>
+          <a:stretch>
+            <a:fillRect/>
+          </a:stretch>
         </p:blipFill>
         <p:spPr>
           <a:xfrm>
@@ -3384,6 +3606,37 @@
       <p:pic>
         <p:nvPicPr>
           <p:cNvPr id="20" name="Picture 19"/>
+          <p:cNvPicPr>
+            <a:picLocks noChangeAspect="1"/>
+          </p:cNvPicPr>
+          <p:nvPr/>
+        </p:nvPicPr>
+        <p:blipFill rotWithShape="1">
+          <a:blip r:embed="rId3" cstate="print">
+            <a:extLst>
+              <a:ext uri="{28A0092B-C50C-407E-A947-70E740481C1C}">
+                <a14:useLocalDpi xmlns:a14="http://schemas.microsoft.com/office/drawing/2010/main" val="0"/>
+              </a:ext>
+            </a:extLst>
+          </a:blip>
+          <a:srcRect l="24301" t="6056" r="24913" b="4658"/>
+          <a:stretch>
+            <a:fillRect/>
+          </a:stretch>
+        </p:blipFill>
+        <p:spPr>
+          <a:xfrm>
+            <a:off x="509426" y="2008509"/>
+            <a:ext cx="2340000" cy="2315820"/>
+          </a:xfrm>
+          <a:prstGeom prst="ellipse">
+            <a:avLst/>
+          </a:prstGeom>
+        </p:spPr>
+      </p:pic>
+      <p:pic>
+        <p:nvPicPr>
+          <p:cNvPr id="21" name="Picture 20"/>
           <p:cNvPicPr>
             <a:picLocks noChangeAspect="1"/>
           </p:cNvPicPr>
@@ -3397,37 +3650,10 @@
               </a:ext>
             </a:extLst>
           </a:blip>
-          <a:srcRect l="24301" t="6056" r="24913" b="4658"/>
-          <a:stretch/>
-        </p:blipFill>
-        <p:spPr>
-          <a:xfrm>
-            <a:off x="509426" y="2008509"/>
-            <a:ext cx="2340000" cy="2315820"/>
-          </a:xfrm>
-          <a:prstGeom prst="ellipse">
-            <a:avLst/>
-          </a:prstGeom>
-        </p:spPr>
-      </p:pic>
-      <p:pic>
-        <p:nvPicPr>
-          <p:cNvPr id="21" name="Picture 20"/>
-          <p:cNvPicPr>
-            <a:picLocks noChangeAspect="1"/>
-          </p:cNvPicPr>
-          <p:nvPr/>
-        </p:nvPicPr>
-        <p:blipFill rotWithShape="1">
-          <a:blip r:embed="rId5" cstate="print">
-            <a:extLst>
-              <a:ext uri="{28A0092B-C50C-407E-A947-70E740481C1C}">
-                <a14:useLocalDpi xmlns:a14="http://schemas.microsoft.com/office/drawing/2010/main" val="0"/>
-              </a:ext>
-            </a:extLst>
-          </a:blip>
           <a:srcRect l="35720" t="34288" r="36543" b="40809"/>
-          <a:stretch/>
+          <a:stretch>
+            <a:fillRect/>
+          </a:stretch>
         </p:blipFill>
         <p:spPr>
           <a:xfrm>
@@ -3448,7 +3674,7 @@
           <p:nvPr/>
         </p:nvPicPr>
         <p:blipFill rotWithShape="1">
-          <a:blip r:embed="rId6">
+          <a:blip r:embed="rId5">
             <a:extLst>
               <a:ext uri="{28A0092B-C50C-407E-A947-70E740481C1C}">
                 <a14:useLocalDpi xmlns:a14="http://schemas.microsoft.com/office/drawing/2010/main" val="0"/>
@@ -3456,7 +3682,9 @@
             </a:extLst>
           </a:blip>
           <a:srcRect r="1316" b="3231"/>
-          <a:stretch/>
+          <a:stretch>
+            <a:fillRect/>
+          </a:stretch>
         </p:blipFill>
         <p:spPr>
           <a:xfrm>
@@ -3477,7 +3705,7 @@
           <p:nvPr/>
         </p:nvPicPr>
         <p:blipFill>
-          <a:blip r:embed="rId7" cstate="print">
+          <a:blip r:embed="rId6" cstate="print">
             <a:extLst>
               <a:ext uri="{28A0092B-C50C-407E-A947-70E740481C1C}">
                 <a14:useLocalDpi xmlns:a14="http://schemas.microsoft.com/office/drawing/2010/main" val="0"/>
@@ -3555,7 +3783,7 @@
           <p:nvPr/>
         </p:nvPicPr>
         <p:blipFill>
-          <a:blip r:embed="rId8">
+          <a:blip r:embed="rId7">
             <a:extLst>
               <a:ext uri="{28A0092B-C50C-407E-A947-70E740481C1C}">
                 <a14:useLocalDpi xmlns:a14="http://schemas.microsoft.com/office/drawing/2010/main" val="0"/>
@@ -3577,11 +3805,6 @@
         </p:spPr>
       </p:pic>
     </p:spTree>
-    <p:extLst>
-      <p:ext uri="{BB962C8B-B14F-4D97-AF65-F5344CB8AC3E}">
-        <p14:creationId xmlns:p14="http://schemas.microsoft.com/office/powerpoint/2010/main" val="1732576935"/>
-      </p:ext>
-    </p:extLst>
   </p:cSld>
   <p:clrMapOvr>
     <a:masterClrMapping/>
@@ -3632,7 +3855,7 @@
     </a:clrScheme>
     <a:fontScheme name="Office Theme">
       <a:majorFont>
-        <a:latin typeface="Calibri Light" panose="020F0302020204030204"/>
+        <a:latin typeface="Calibri Light"/>
         <a:ea typeface=""/>
         <a:cs typeface=""/>
         <a:font script="Jpan" typeface="游ゴシック Light"/>
@@ -3667,7 +3890,7 @@
         <a:font script="Geor" typeface="Sylfaen"/>
       </a:majorFont>
       <a:minorFont>
-        <a:latin typeface="Calibri" panose="020F0502020204030204"/>
+        <a:latin typeface="Calibri"/>
         <a:ea typeface=""/>
         <a:cs typeface=""/>
         <a:font script="Jpan" typeface="游ゴシック"/>
@@ -3840,11 +4063,9 @@
       </a:bgFillStyleLst>
     </a:fmtScheme>
   </a:themeElements>
-  <a:objectDefaults/>
-  <a:extraClrSchemeLst/>
   <a:extLst>
     <a:ext uri="{05A4C25C-085E-4340-85A3-A5531E510DB2}">
-      <thm15:themeFamily xmlns:thm15="http://schemas.microsoft.com/office/thememl/2012/main" name="Office Theme" id="{62F939B6-93AF-4DB8-9C6B-D6C7DFDC589F}" vid="{4F46216B-77A9-411A-B9D3-5023FCB70208}"/>
+      <thm15:themeFamily xmlns:thm15="http://schemas.microsoft.com/office/thememl/2012/main" name="Office Theme" id="{62F939B6-93AF-4DB8-9C6B-D6C7DFDC589F}" vid="{4A3C46E8-61CC-4603-A589-7422A47A8E4A}"/>
     </a:ext>
   </a:extLst>
 </a:theme>
